--- a/GoogleTestOverview.pptx
+++ b/GoogleTestOverview.pptx
@@ -859,7 +859,7 @@
           <a:p>
             <a:fld id="{1D8BD707-D9CF-40AE-B4C6-C98DA3205C09}" type="datetimeFigureOut">
               <a:rPr lang="en-US" smtClean="0"/>
-              <a:t>2/4/2021</a:t>
+              <a:t>2021-02-05</a:t>
             </a:fld>
             <a:endParaRPr lang="en-US"/>
           </a:p>
@@ -1110,7 +1110,7 @@
           <a:p>
             <a:fld id="{1D8BD707-D9CF-40AE-B4C6-C98DA3205C09}" type="datetimeFigureOut">
               <a:rPr lang="en-US" smtClean="0"/>
-              <a:t>2/4/2021</a:t>
+              <a:t>2021-02-05</a:t>
             </a:fld>
             <a:endParaRPr lang="en-US"/>
           </a:p>
@@ -1424,7 +1424,7 @@
           <a:p>
             <a:fld id="{1D8BD707-D9CF-40AE-B4C6-C98DA3205C09}" type="datetimeFigureOut">
               <a:rPr lang="en-US" smtClean="0"/>
-              <a:t>2/4/2021</a:t>
+              <a:t>2021-02-05</a:t>
             </a:fld>
             <a:endParaRPr lang="en-US"/>
           </a:p>
@@ -1751,7 +1751,7 @@
           <a:p>
             <a:fld id="{1D8BD707-D9CF-40AE-B4C6-C98DA3205C09}" type="datetimeFigureOut">
               <a:rPr lang="en-US" smtClean="0"/>
-              <a:t>2/4/2021</a:t>
+              <a:t>2021-02-05</a:t>
             </a:fld>
             <a:endParaRPr lang="en-US"/>
           </a:p>
@@ -2065,7 +2065,7 @@
           <a:p>
             <a:fld id="{1D8BD707-D9CF-40AE-B4C6-C98DA3205C09}" type="datetimeFigureOut">
               <a:rPr lang="en-US" smtClean="0"/>
-              <a:t>2/4/2021</a:t>
+              <a:t>2021-02-05</a:t>
             </a:fld>
             <a:endParaRPr lang="en-US"/>
           </a:p>
@@ -2452,7 +2452,7 @@
           <a:p>
             <a:fld id="{1D8BD707-D9CF-40AE-B4C6-C98DA3205C09}" type="datetimeFigureOut">
               <a:rPr lang="en-US" smtClean="0"/>
-              <a:t>2/4/2021</a:t>
+              <a:t>2021-02-05</a:t>
             </a:fld>
             <a:endParaRPr lang="en-US"/>
           </a:p>
@@ -2622,7 +2622,7 @@
           <a:p>
             <a:fld id="{1D8BD707-D9CF-40AE-B4C6-C98DA3205C09}" type="datetimeFigureOut">
               <a:rPr lang="en-US" smtClean="0"/>
-              <a:t>2/4/2021</a:t>
+              <a:t>2021-02-05</a:t>
             </a:fld>
             <a:endParaRPr lang="en-US"/>
           </a:p>
@@ -2802,7 +2802,7 @@
           <a:p>
             <a:fld id="{1D8BD707-D9CF-40AE-B4C6-C98DA3205C09}" type="datetimeFigureOut">
               <a:rPr lang="en-US" smtClean="0"/>
-              <a:t>2/4/2021</a:t>
+              <a:t>2021-02-05</a:t>
             </a:fld>
             <a:endParaRPr lang="en-US"/>
           </a:p>
@@ -3002,7 +3002,7 @@
           <a:p>
             <a:fld id="{1D8BD707-D9CF-40AE-B4C6-C98DA3205C09}" type="datetimeFigureOut">
               <a:rPr lang="en-US"/>
-              <a:t>2/4/2021</a:t>
+              <a:t>2021-02-05</a:t>
             </a:fld>
             <a:endParaRPr lang="en-US"/>
           </a:p>
@@ -3221,7 +3221,7 @@
           <a:p>
             <a:fld id="{1D8BD707-D9CF-40AE-B4C6-C98DA3205C09}" type="datetimeFigureOut">
               <a:rPr lang="en-US"/>
-              <a:t>2/4/2021</a:t>
+              <a:t>2021-02-05</a:t>
             </a:fld>
             <a:endParaRPr lang="en-US"/>
           </a:p>
@@ -3387,7 +3387,7 @@
           <a:p>
             <a:fld id="{1D8BD707-D9CF-40AE-B4C6-C98DA3205C09}" type="datetimeFigureOut">
               <a:rPr lang="en-US" smtClean="0"/>
-              <a:t>2/4/2021</a:t>
+              <a:t>2021-02-05</a:t>
             </a:fld>
             <a:endParaRPr lang="en-US"/>
           </a:p>
@@ -3634,7 +3634,7 @@
           <a:p>
             <a:fld id="{1D8BD707-D9CF-40AE-B4C6-C98DA3205C09}" type="datetimeFigureOut">
               <a:rPr lang="en-US" smtClean="0"/>
-              <a:t>2/4/2021</a:t>
+              <a:t>2021-02-05</a:t>
             </a:fld>
             <a:endParaRPr lang="en-US"/>
           </a:p>
@@ -3866,7 +3866,7 @@
           <a:p>
             <a:fld id="{1D8BD707-D9CF-40AE-B4C6-C98DA3205C09}" type="datetimeFigureOut">
               <a:rPr lang="en-US" smtClean="0"/>
-              <a:t>2/4/2021</a:t>
+              <a:t>2021-02-05</a:t>
             </a:fld>
             <a:endParaRPr lang="en-US"/>
           </a:p>
@@ -4240,7 +4240,7 @@
           <a:p>
             <a:fld id="{1D8BD707-D9CF-40AE-B4C6-C98DA3205C09}" type="datetimeFigureOut">
               <a:rPr lang="en-US" smtClean="0"/>
-              <a:t>2/4/2021</a:t>
+              <a:t>2021-02-05</a:t>
             </a:fld>
             <a:endParaRPr lang="en-US"/>
           </a:p>
@@ -4363,7 +4363,7 @@
           <a:p>
             <a:fld id="{1D8BD707-D9CF-40AE-B4C6-C98DA3205C09}" type="datetimeFigureOut">
               <a:rPr lang="en-US" smtClean="0"/>
-              <a:t>2/4/2021</a:t>
+              <a:t>2021-02-05</a:t>
             </a:fld>
             <a:endParaRPr lang="en-US"/>
           </a:p>
@@ -4458,7 +4458,7 @@
           <a:p>
             <a:fld id="{1D8BD707-D9CF-40AE-B4C6-C98DA3205C09}" type="datetimeFigureOut">
               <a:rPr lang="en-US" smtClean="0"/>
-              <a:t>2/4/2021</a:t>
+              <a:t>2021-02-05</a:t>
             </a:fld>
             <a:endParaRPr lang="en-US"/>
           </a:p>
@@ -4713,7 +4713,7 @@
           <a:p>
             <a:fld id="{1D8BD707-D9CF-40AE-B4C6-C98DA3205C09}" type="datetimeFigureOut">
               <a:rPr lang="en-US" smtClean="0"/>
-              <a:t>2/4/2021</a:t>
+              <a:t>2021-02-05</a:t>
             </a:fld>
             <a:endParaRPr lang="en-US"/>
           </a:p>
@@ -4976,7 +4976,7 @@
           <a:p>
             <a:fld id="{1D8BD707-D9CF-40AE-B4C6-C98DA3205C09}" type="datetimeFigureOut">
               <a:rPr lang="en-US" smtClean="0"/>
-              <a:t>2/4/2021</a:t>
+              <a:t>2021-02-05</a:t>
             </a:fld>
             <a:endParaRPr lang="en-US"/>
           </a:p>
@@ -5721,7 +5721,7 @@
           <a:p>
             <a:fld id="{1D8BD707-D9CF-40AE-B4C6-C98DA3205C09}" type="datetimeFigureOut">
               <a:rPr lang="en-US" smtClean="0"/>
-              <a:t>2/4/2021</a:t>
+              <a:t>2021-02-05</a:t>
             </a:fld>
             <a:endParaRPr lang="en-US"/>
           </a:p>
@@ -6270,23 +6270,15 @@
               </a:spcBef>
             </a:pPr>
             <a:r>
-              <a:rPr lang="en-IN" spc="15"/>
-              <a:t>Overview </a:t>
-            </a:r>
-            <a:r>
-              <a:rPr lang="en-IN" spc="10"/>
-              <a:t>of </a:t>
-            </a:r>
-            <a:r>
-              <a:rPr lang="en-IN" spc="100"/>
+              <a:rPr lang="en-IN" sz="8800" spc="100" dirty="0" smtClean="0"/>
               <a:t>Google</a:t>
             </a:r>
             <a:r>
-              <a:rPr lang="en-IN" spc="-45"/>
+              <a:rPr lang="en-IN" sz="8800" spc="-45" dirty="0" smtClean="0"/>
               <a:t> </a:t>
             </a:r>
             <a:r>
-              <a:rPr lang="en-IN" spc="-370"/>
+              <a:rPr lang="en-IN" sz="8800" spc="-370" dirty="0"/>
               <a:t>Test</a:t>
             </a:r>
           </a:p>
@@ -6445,7 +6437,7 @@
         </p:nvGraphicFramePr>
         <p:xfrm>
           <a:off x="1151460" y="4324475"/>
-          <a:ext cx="5856605" cy="6690995"/>
+          <a:ext cx="5855970" cy="6690892"/>
         </p:xfrm>
         <a:graphic>
           <a:graphicData uri="http://schemas.openxmlformats.org/drawingml/2006/table">
@@ -7545,7 +7537,7 @@
         </p:nvGraphicFramePr>
         <p:xfrm>
           <a:off x="1151460" y="6324414"/>
-          <a:ext cx="15330805" cy="2691130"/>
+          <a:ext cx="15330804" cy="2691016"/>
         </p:xfrm>
         <a:graphic>
           <a:graphicData uri="http://schemas.openxmlformats.org/drawingml/2006/table">
@@ -9704,8 +9696,8 @@
         </p:nvSpPr>
         <p:spPr>
           <a:xfrm>
-            <a:off x="5725345" y="950621"/>
-            <a:ext cx="8673465" cy="1433195"/>
+            <a:off x="5099051" y="950621"/>
+            <a:ext cx="9299760" cy="1433195"/>
           </a:xfrm>
           <a:prstGeom prst="rect">
             <a:avLst/>
@@ -9717,7 +9709,7 @@
           </a:bodyPr>
           <a:lstStyle/>
           <a:p>
-            <a:pPr marL="12700">
+            <a:pPr marL="12700" algn="ctr">
               <a:lnSpc>
                 <a:spcPct val="100000"/>
               </a:lnSpc>
@@ -9726,19 +9718,43 @@
               </a:spcBef>
             </a:pPr>
             <a:r>
-              <a:rPr spc="-155" dirty="0"/>
+              <a:rPr spc="-155" dirty="0">
+                <a:solidFill>
+                  <a:schemeClr val="accent2">
+                    <a:lumMod val="75000"/>
+                  </a:schemeClr>
+                </a:solidFill>
+              </a:rPr>
               <a:t>The </a:t>
             </a:r>
             <a:r>
-              <a:rPr spc="-490" dirty="0"/>
+              <a:rPr spc="-490" dirty="0">
+                <a:solidFill>
+                  <a:schemeClr val="accent2">
+                    <a:lumMod val="75000"/>
+                  </a:schemeClr>
+                </a:solidFill>
+              </a:rPr>
               <a:t>TEST</a:t>
             </a:r>
             <a:r>
-              <a:rPr spc="105" dirty="0"/>
+              <a:rPr spc="105" dirty="0">
+                <a:solidFill>
+                  <a:schemeClr val="accent2">
+                    <a:lumMod val="75000"/>
+                  </a:schemeClr>
+                </a:solidFill>
+              </a:rPr>
               <a:t> </a:t>
             </a:r>
             <a:r>
-              <a:rPr spc="85" dirty="0"/>
+              <a:rPr spc="85" dirty="0">
+                <a:solidFill>
+                  <a:schemeClr val="accent2">
+                    <a:lumMod val="75000"/>
+                  </a:schemeClr>
+                </a:solidFill>
+              </a:rPr>
               <a:t>Macro</a:t>
             </a:r>
           </a:p>
@@ -11646,8 +11662,8 @@
         </p:nvSpPr>
         <p:spPr>
           <a:xfrm>
-            <a:off x="1872059" y="478594"/>
-            <a:ext cx="16377285" cy="2390775"/>
+            <a:off x="755650" y="478594"/>
+            <a:ext cx="18514125" cy="2396169"/>
           </a:xfrm>
           <a:prstGeom prst="rect">
             <a:avLst/>
@@ -11676,26 +11692,30 @@
               <a:t>Fixtures </a:t>
             </a:r>
             <a:r>
-              <a:rPr sz="7750" dirty="0"/>
+              <a:rPr lang="en-US" sz="7750" dirty="0" smtClean="0"/>
               <a:t>- </a:t>
             </a:r>
             <a:r>
-              <a:rPr sz="7750" spc="40" dirty="0"/>
-              <a:t>Constructor/Destructor  </a:t>
-            </a:r>
-            <a:r>
-              <a:rPr sz="7750" dirty="0"/>
+              <a:rPr sz="7750" spc="40" dirty="0" smtClean="0"/>
+              <a:t>Constructor/Destructor</a:t>
+            </a:r>
+            <a:r>
+              <a:rPr lang="en-US" sz="7750" spc="40" dirty="0" smtClean="0"/>
+              <a:t> </a:t>
+            </a:r>
+            <a:r>
+              <a:rPr sz="7750" dirty="0" smtClean="0"/>
               <a:t>vs</a:t>
             </a:r>
             <a:r>
-              <a:rPr sz="7750" spc="-10" dirty="0"/>
+              <a:rPr sz="7750" spc="-10" dirty="0" smtClean="0"/>
               <a:t> </a:t>
             </a:r>
             <a:r>
               <a:rPr sz="7750" spc="-90" dirty="0"/>
               <a:t>SetUp/TearDown</a:t>
             </a:r>
-            <a:endParaRPr sz="7750"/>
+            <a:endParaRPr sz="7750" dirty="0"/>
           </a:p>
         </p:txBody>
       </p:sp>
